--- a/MCA算法突击课/第03期/ppt/powerpoint/第05节 .pptx
+++ b/MCA算法突击课/第03期/ppt/powerpoint/第05节 .pptx
@@ -14,10 +14,6 @@
     <p:sldId id="259" r:id="rId11"/>
     <p:sldId id="260" r:id="rId12"/>
     <p:sldId id="261" r:id="rId13"/>
-    <p:sldId id="262" r:id="rId14"/>
-    <p:sldId id="263" r:id="rId15"/>
-    <p:sldId id="264" r:id="rId16"/>
-    <p:sldId id="265" r:id="rId17"/>
   </p:sldIdLst>
   <p:sldSz cx="12192000" cy="6858000"/>
   <p:notesSz cx="6858000" cy="9144000"/>
@@ -2760,7 +2756,7 @@
               </a:lnSpc>
             </a:pPr>
             <a:r>
-              <a:t>双指针问题、前缀信息问题、并查集、LRU结构</a:t>
+              <a:t>首尾指针技巧、前缀信息技巧、并查集、LRU结构</a:t>
             </a:r>
           </a:p>
           <a:p>
@@ -2778,279 +2774,6 @@
       <p:pic>
         <p:nvPicPr>
           <p:cNvPr id="97" name="图片 4" descr="图片 4"/>
-          <p:cNvPicPr>
-            <a:picLocks noChangeAspect="1"/>
-          </p:cNvPicPr>
-          <p:nvPr/>
-        </p:nvPicPr>
-        <p:blipFill>
-          <a:blip r:embed="rId2">
-            <a:extLst/>
-          </a:blip>
-          <a:stretch>
-            <a:fillRect/>
-          </a:stretch>
-        </p:blipFill>
-        <p:spPr>
-          <a:xfrm>
-            <a:off x="43939" y="32544"/>
-            <a:ext cx="1635139" cy="1043783"/>
-          </a:xfrm>
-          <a:prstGeom prst="rect">
-            <a:avLst/>
-          </a:prstGeom>
-          <a:ln w="12700">
-            <a:miter lim="400000"/>
-          </a:ln>
-        </p:spPr>
-      </p:pic>
-    </p:spTree>
-  </p:cSld>
-  <p:clrMapOvr>
-    <a:masterClrMapping/>
-  </p:clrMapOvr>
-  <p:transition xmlns:p14="http://schemas.microsoft.com/office/powerpoint/2010/main" spd="med" advClick="1"/>
-</p:sld>
-</file>
-
-<file path=ppt/slides/slide10.xml><?xml version="1.0" encoding="utf-8"?>
-<p:sld xmlns:a="http://schemas.openxmlformats.org/drawingml/2006/main" xmlns:r="http://schemas.openxmlformats.org/officeDocument/2006/relationships" xmlns:p="http://schemas.openxmlformats.org/presentationml/2006/main" xmlns:m="http://schemas.openxmlformats.org/officeDocument/2006/math" xmlns:a14="http://schemas.microsoft.com/office/drawing/2010/main" showMasterSp="1" showMasterPhAnim="1">
-  <p:cSld>
-    <p:spTree>
-      <p:nvGrpSpPr>
-        <p:cNvPr id="1" name=""/>
-        <p:cNvGrpSpPr/>
-        <p:nvPr/>
-      </p:nvGrpSpPr>
-      <p:grpSpPr>
-        <a:xfrm>
-          <a:off x="0" y="0"/>
-          <a:ext cx="0" cy="0"/>
-          <a:chOff x="0" y="0"/>
-          <a:chExt cx="0" cy="0"/>
-        </a:xfrm>
-      </p:grpSpPr>
-      <p:sp>
-        <p:nvSpPr>
-          <p:cNvPr id="139" name="页脚占位符 3"/>
-          <p:cNvSpPr txBox="1"/>
-          <p:nvPr/>
-        </p:nvSpPr>
-        <p:spPr>
-          <a:xfrm>
-            <a:off x="4084320" y="6385242"/>
-            <a:ext cx="4023360" cy="307341"/>
-          </a:xfrm>
-          <a:prstGeom prst="rect">
-            <a:avLst/>
-          </a:prstGeom>
-          <a:ln w="12700">
-            <a:miter lim="400000"/>
-          </a:ln>
-          <a:extLst>
-            <a:ext uri="{C572A759-6A51-4108-AA02-DFA0A04FC94B}">
-              <ma14:wrappingTextBoxFlag xmlns:ma14="http://schemas.microsoft.com/office/mac/drawingml/2011/main" val="1"/>
-            </a:ext>
-          </a:extLst>
-        </p:spPr>
-        <p:txBody>
-          <a:bodyPr lIns="45719" rIns="45719" anchor="ctr">
-            <a:spAutoFit/>
-          </a:bodyPr>
-          <a:lstStyle/>
-          <a:p>
-            <a:pPr algn="ctr">
-              <a:defRPr sz="1200">
-                <a:solidFill>
-                  <a:srgbClr val="888888"/>
-                </a:solidFill>
-              </a:defRPr>
-            </a:pPr>
-            <a:r>
-              <a:t>马士兵教育 </a:t>
-            </a:r>
-            <a:r>
-              <a:t>http://mashibing.com</a:t>
-            </a:r>
-          </a:p>
-        </p:txBody>
-      </p:sp>
-      <p:sp>
-        <p:nvSpPr>
-          <p:cNvPr id="140" name="标题 1"/>
-          <p:cNvSpPr txBox="1"/>
-          <p:nvPr>
-            <p:ph type="title"/>
-          </p:nvPr>
-        </p:nvSpPr>
-        <p:spPr>
-          <a:xfrm>
-            <a:off x="838200" y="900238"/>
-            <a:ext cx="10515600" cy="710952"/>
-          </a:xfrm>
-          <a:prstGeom prst="rect">
-            <a:avLst/>
-          </a:prstGeom>
-        </p:spPr>
-        <p:txBody>
-          <a:bodyPr/>
-          <a:lstStyle>
-            <a:lvl1pPr>
-              <a:defRPr sz="3200"/>
-            </a:lvl1pPr>
-          </a:lstStyle>
-          <a:p>
-            <a:pPr/>
-            <a:r>
-              <a:t>题目08</a:t>
-            </a:r>
-          </a:p>
-        </p:txBody>
-      </p:sp>
-      <p:sp>
-        <p:nvSpPr>
-          <p:cNvPr id="141" name="内容占位符 2"/>
-          <p:cNvSpPr txBox="1"/>
-          <p:nvPr>
-            <p:ph type="body" idx="1"/>
-          </p:nvPr>
-        </p:nvSpPr>
-        <p:spPr>
-          <a:xfrm>
-            <a:off x="838200" y="2038410"/>
-            <a:ext cx="10515600" cy="3919611"/>
-          </a:xfrm>
-          <a:prstGeom prst="rect">
-            <a:avLst/>
-          </a:prstGeom>
-        </p:spPr>
-        <p:txBody>
-          <a:bodyPr/>
-          <a:lstStyle/>
-          <a:p>
-            <a:pPr marL="0" indent="0" defTabSz="457200">
-              <a:lnSpc>
-                <a:spcPct val="100000"/>
-              </a:lnSpc>
-              <a:spcBef>
-                <a:spcPts val="0"/>
-              </a:spcBef>
-              <a:buSzTx/>
-              <a:buFontTx/>
-              <a:buNone/>
-              <a:defRPr sz="2600">
-                <a:solidFill>
-                  <a:srgbClr val="4E9072"/>
-                </a:solidFill>
-                <a:latin typeface="Monaco"/>
-                <a:ea typeface="Monaco"/>
-                <a:cs typeface="Monaco"/>
-                <a:sym typeface="Monaco"/>
-              </a:defRPr>
-            </a:pPr>
-            <a:r>
-              <a:t>LRU内存替换算法</a:t>
-            </a:r>
-          </a:p>
-          <a:p>
-            <a:pPr marL="0" indent="0" defTabSz="457200">
-              <a:lnSpc>
-                <a:spcPct val="100000"/>
-              </a:lnSpc>
-              <a:spcBef>
-                <a:spcPts val="0"/>
-              </a:spcBef>
-              <a:buSzTx/>
-              <a:buFontTx/>
-              <a:buNone/>
-              <a:defRPr sz="2600">
-                <a:solidFill>
-                  <a:srgbClr val="4E9072"/>
-                </a:solidFill>
-                <a:latin typeface="Monaco"/>
-                <a:ea typeface="Monaco"/>
-                <a:cs typeface="Monaco"/>
-                <a:sym typeface="Monaco"/>
-              </a:defRPr>
-            </a:pPr>
-          </a:p>
-          <a:p>
-            <a:pPr marL="0" indent="0" defTabSz="457200">
-              <a:lnSpc>
-                <a:spcPct val="100000"/>
-              </a:lnSpc>
-              <a:spcBef>
-                <a:spcPts val="0"/>
-              </a:spcBef>
-              <a:buSzTx/>
-              <a:buFontTx/>
-              <a:buNone/>
-              <a:defRPr sz="2600">
-                <a:solidFill>
-                  <a:srgbClr val="4E9072"/>
-                </a:solidFill>
-                <a:latin typeface="Monaco"/>
-                <a:ea typeface="Monaco"/>
-                <a:cs typeface="Monaco"/>
-                <a:sym typeface="Monaco"/>
-              </a:defRPr>
-            </a:pPr>
-            <a:r>
-              <a:t>get和put都是O(1)的时间复杂度！</a:t>
-            </a:r>
-          </a:p>
-          <a:p>
-            <a:pPr marL="0" indent="0" defTabSz="457200">
-              <a:lnSpc>
-                <a:spcPct val="100000"/>
-              </a:lnSpc>
-              <a:spcBef>
-                <a:spcPts val="0"/>
-              </a:spcBef>
-              <a:buSzTx/>
-              <a:buFontTx/>
-              <a:buNone/>
-              <a:defRPr sz="2600">
-                <a:solidFill>
-                  <a:srgbClr val="4E9072"/>
-                </a:solidFill>
-                <a:latin typeface="Monaco"/>
-                <a:ea typeface="Monaco"/>
-                <a:cs typeface="Monaco"/>
-                <a:sym typeface="Monaco"/>
-              </a:defRPr>
-            </a:pPr>
-          </a:p>
-          <a:p>
-            <a:pPr marL="0" indent="0" defTabSz="457200">
-              <a:lnSpc>
-                <a:spcPct val="100000"/>
-              </a:lnSpc>
-              <a:spcBef>
-                <a:spcPts val="0"/>
-              </a:spcBef>
-              <a:buSzTx/>
-              <a:buFontTx/>
-              <a:buNone/>
-              <a:defRPr sz="2600">
-                <a:solidFill>
-                  <a:srgbClr val="4E9072"/>
-                </a:solidFill>
-                <a:latin typeface="Monaco"/>
-                <a:ea typeface="Monaco"/>
-                <a:cs typeface="Monaco"/>
-                <a:sym typeface="Monaco"/>
-              </a:defRPr>
-            </a:pPr>
-            <a:r>
-              <a:t>测试链接 : https://leetcode.cn/problems/lru-cache/</a:t>
-            </a:r>
-          </a:p>
-        </p:txBody>
-      </p:sp>
-      <p:pic>
-        <p:nvPicPr>
-          <p:cNvPr id="142" name="图片 4" descr="图片 4"/>
           <p:cNvPicPr>
             <a:picLocks noChangeAspect="1"/>
           </p:cNvPicPr>
@@ -4446,7 +4169,7 @@
           <a:bodyPr/>
           <a:lstStyle/>
           <a:p>
-            <a:pPr marL="0" indent="0" defTabSz="288036">
+            <a:pPr marL="0" indent="0" defTabSz="457200">
               <a:lnSpc>
                 <a:spcPct val="100000"/>
               </a:lnSpc>
@@ -4456,7 +4179,7 @@
               <a:buSzTx/>
               <a:buFontTx/>
               <a:buNone/>
-              <a:defRPr sz="1637">
+              <a:defRPr sz="2600">
                 <a:solidFill>
                   <a:srgbClr val="4E9072"/>
                 </a:solidFill>
@@ -4467,16 +4190,11 @@
               </a:defRPr>
             </a:pPr>
             <a:r>
-              <a:t>并查集的实现</a:t>
-            </a:r>
-            <a:endParaRPr>
-              <a:solidFill>
-                <a:srgbClr val="000000"/>
-              </a:solidFill>
-            </a:endParaRPr>
-          </a:p>
-          <a:p>
-            <a:pPr marL="0" indent="0" defTabSz="288036">
+              <a:t>LRU内存替换算法</a:t>
+            </a:r>
+          </a:p>
+          <a:p>
+            <a:pPr marL="0" indent="0" defTabSz="457200">
               <a:lnSpc>
                 <a:spcPct val="100000"/>
               </a:lnSpc>
@@ -4486,7 +4204,10 @@
               <a:buSzTx/>
               <a:buFontTx/>
               <a:buNone/>
-              <a:defRPr sz="1637">
+              <a:defRPr sz="2600">
+                <a:solidFill>
+                  <a:srgbClr val="4E9072"/>
+                </a:solidFill>
                 <a:latin typeface="Monaco"/>
                 <a:ea typeface="Monaco"/>
                 <a:cs typeface="Monaco"/>
@@ -4495,7 +4216,7 @@
             </a:pPr>
           </a:p>
           <a:p>
-            <a:pPr marL="0" indent="0" defTabSz="288036">
+            <a:pPr marL="0" indent="0" defTabSz="457200">
               <a:lnSpc>
                 <a:spcPct val="100000"/>
               </a:lnSpc>
@@ -4505,7 +4226,7 @@
               <a:buSzTx/>
               <a:buFontTx/>
               <a:buNone/>
-              <a:defRPr sz="1637">
+              <a:defRPr sz="2600">
                 <a:solidFill>
                   <a:srgbClr val="4E9072"/>
                 </a:solidFill>
@@ -4516,16 +4237,11 @@
               </a:defRPr>
             </a:pPr>
             <a:r>
-              <a:t>笔试的OJ风格介绍+重要IO模版</a:t>
-            </a:r>
-            <a:endParaRPr>
-              <a:solidFill>
-                <a:srgbClr val="000000"/>
-              </a:solidFill>
-            </a:endParaRPr>
-          </a:p>
-          <a:p>
-            <a:pPr marL="0" indent="0" defTabSz="288036">
+              <a:t>get和put都是O(1)的时间复杂度！</a:t>
+            </a:r>
+          </a:p>
+          <a:p>
+            <a:pPr marL="0" indent="0" defTabSz="457200">
               <a:lnSpc>
                 <a:spcPct val="100000"/>
               </a:lnSpc>
@@ -4535,7 +4251,10 @@
               <a:buSzTx/>
               <a:buFontTx/>
               <a:buNone/>
-              <a:defRPr sz="1637">
+              <a:defRPr sz="2600">
+                <a:solidFill>
+                  <a:srgbClr val="4E9072"/>
+                </a:solidFill>
                 <a:latin typeface="Monaco"/>
                 <a:ea typeface="Monaco"/>
                 <a:cs typeface="Monaco"/>
@@ -4544,7 +4263,7 @@
             </a:pPr>
           </a:p>
           <a:p>
-            <a:pPr marL="0" indent="0" defTabSz="288036">
+            <a:pPr marL="0" indent="0" defTabSz="457200">
               <a:lnSpc>
                 <a:spcPct val="100000"/>
               </a:lnSpc>
@@ -4554,7 +4273,7 @@
               <a:buSzTx/>
               <a:buFontTx/>
               <a:buNone/>
-              <a:defRPr sz="1637">
+              <a:defRPr sz="2600">
                 <a:solidFill>
                   <a:srgbClr val="4E9072"/>
                 </a:solidFill>
@@ -4565,253 +4284,7 @@
               </a:defRPr>
             </a:pPr>
             <a:r>
-              <a:t>并查集功能</a:t>
-            </a:r>
-            <a:endParaRPr>
-              <a:solidFill>
-                <a:srgbClr val="000000"/>
-              </a:solidFill>
-            </a:endParaRPr>
-          </a:p>
-          <a:p>
-            <a:pPr marL="0" indent="0" defTabSz="288036">
-              <a:lnSpc>
-                <a:spcPct val="100000"/>
-              </a:lnSpc>
-              <a:spcBef>
-                <a:spcPts val="0"/>
-              </a:spcBef>
-              <a:buSzTx/>
-              <a:buFontTx/>
-              <a:buNone/>
-              <a:defRPr sz="1637">
-                <a:solidFill>
-                  <a:srgbClr val="4E9072"/>
-                </a:solidFill>
-                <a:latin typeface="Monaco"/>
-                <a:ea typeface="Monaco"/>
-                <a:cs typeface="Monaco"/>
-                <a:sym typeface="Monaco"/>
-              </a:defRPr>
-            </a:pPr>
-            <a:r>
-              <a:t>有若干个样本a、b、c、d…类型假设是V</a:t>
-            </a:r>
-            <a:endParaRPr>
-              <a:solidFill>
-                <a:srgbClr val="000000"/>
-              </a:solidFill>
-            </a:endParaRPr>
-          </a:p>
-          <a:p>
-            <a:pPr marL="0" indent="0" defTabSz="288036">
-              <a:lnSpc>
-                <a:spcPct val="100000"/>
-              </a:lnSpc>
-              <a:spcBef>
-                <a:spcPts val="0"/>
-              </a:spcBef>
-              <a:buSzTx/>
-              <a:buFontTx/>
-              <a:buNone/>
-              <a:defRPr sz="1637">
-                <a:solidFill>
-                  <a:srgbClr val="4E9072"/>
-                </a:solidFill>
-                <a:latin typeface="Monaco"/>
-                <a:ea typeface="Monaco"/>
-                <a:cs typeface="Monaco"/>
-                <a:sym typeface="Monaco"/>
-              </a:defRPr>
-            </a:pPr>
-            <a:r>
-              <a:t>在并查集中一开始认为每个样本都在单独的集合里</a:t>
-            </a:r>
-            <a:endParaRPr>
-              <a:solidFill>
-                <a:srgbClr val="000000"/>
-              </a:solidFill>
-            </a:endParaRPr>
-          </a:p>
-          <a:p>
-            <a:pPr marL="0" indent="0" defTabSz="288036">
-              <a:lnSpc>
-                <a:spcPct val="100000"/>
-              </a:lnSpc>
-              <a:spcBef>
-                <a:spcPts val="0"/>
-              </a:spcBef>
-              <a:buSzTx/>
-              <a:buFontTx/>
-              <a:buNone/>
-              <a:defRPr sz="1637">
-                <a:solidFill>
-                  <a:srgbClr val="4E9072"/>
-                </a:solidFill>
-                <a:latin typeface="Monaco"/>
-                <a:ea typeface="Monaco"/>
-                <a:cs typeface="Monaco"/>
-                <a:sym typeface="Monaco"/>
-              </a:defRPr>
-            </a:pPr>
-            <a:r>
-              <a:t>用户可以在任何时候调用如下两个方法：</a:t>
-            </a:r>
-            <a:endParaRPr>
-              <a:solidFill>
-                <a:srgbClr val="000000"/>
-              </a:solidFill>
-            </a:endParaRPr>
-          </a:p>
-          <a:p>
-            <a:pPr marL="0" indent="0" defTabSz="288036">
-              <a:lnSpc>
-                <a:spcPct val="100000"/>
-              </a:lnSpc>
-              <a:spcBef>
-                <a:spcPts val="0"/>
-              </a:spcBef>
-              <a:buSzTx/>
-              <a:buFontTx/>
-              <a:buNone/>
-              <a:defRPr sz="1637">
-                <a:solidFill>
-                  <a:srgbClr val="4E9072"/>
-                </a:solidFill>
-                <a:latin typeface="Monaco"/>
-                <a:ea typeface="Monaco"/>
-                <a:cs typeface="Monaco"/>
-                <a:sym typeface="Monaco"/>
-              </a:defRPr>
-            </a:pPr>
-            <a:r>
-              <a:rPr>
-                <a:solidFill>
-                  <a:srgbClr val="000000"/>
-                </a:solidFill>
-              </a:rPr>
-              <a:t>    </a:t>
-            </a:r>
-            <a:r>
-              <a:t>boolean isSameSet(V x, V y) : 查询样本x和样本y是否属于一个集合</a:t>
-            </a:r>
-            <a:endParaRPr>
-              <a:solidFill>
-                <a:srgbClr val="000000"/>
-              </a:solidFill>
-            </a:endParaRPr>
-          </a:p>
-          <a:p>
-            <a:pPr marL="0" indent="0" defTabSz="288036">
-              <a:lnSpc>
-                <a:spcPct val="100000"/>
-              </a:lnSpc>
-              <a:spcBef>
-                <a:spcPts val="0"/>
-              </a:spcBef>
-              <a:buSzTx/>
-              <a:buFontTx/>
-              <a:buNone/>
-              <a:defRPr sz="1637">
-                <a:solidFill>
-                  <a:srgbClr val="4E9072"/>
-                </a:solidFill>
-                <a:latin typeface="Monaco"/>
-                <a:ea typeface="Monaco"/>
-                <a:cs typeface="Monaco"/>
-                <a:sym typeface="Monaco"/>
-              </a:defRPr>
-            </a:pPr>
-            <a:r>
-              <a:rPr>
-                <a:solidFill>
-                  <a:srgbClr val="000000"/>
-                </a:solidFill>
-              </a:rPr>
-              <a:t>    </a:t>
-            </a:r>
-            <a:r>
-              <a:t>void union(V x, V y) : 把x和y各自所在集合的所有样本合并成一个集合</a:t>
-            </a:r>
-            <a:endParaRPr>
-              <a:solidFill>
-                <a:srgbClr val="000000"/>
-              </a:solidFill>
-            </a:endParaRPr>
-          </a:p>
-          <a:p>
-            <a:pPr marL="0" indent="0" defTabSz="288036">
-              <a:lnSpc>
-                <a:spcPct val="100000"/>
-              </a:lnSpc>
-              <a:spcBef>
-                <a:spcPts val="0"/>
-              </a:spcBef>
-              <a:buSzTx/>
-              <a:buFontTx/>
-              <a:buNone/>
-              <a:defRPr sz="1637">
-                <a:solidFill>
-                  <a:srgbClr val="4E9072"/>
-                </a:solidFill>
-                <a:latin typeface="Monaco"/>
-                <a:ea typeface="Monaco"/>
-                <a:cs typeface="Monaco"/>
-                <a:sym typeface="Monaco"/>
-              </a:defRPr>
-            </a:pPr>
-            <a:r>
-              <a:t>isSameSet和union方法的代价越低越好</a:t>
-            </a:r>
-          </a:p>
-          <a:p>
-            <a:pPr marL="0" indent="0" defTabSz="288036">
-              <a:lnSpc>
-                <a:spcPct val="100000"/>
-              </a:lnSpc>
-              <a:spcBef>
-                <a:spcPts val="0"/>
-              </a:spcBef>
-              <a:buSzTx/>
-              <a:buFontTx/>
-              <a:buNone/>
-              <a:defRPr sz="1637">
-                <a:solidFill>
-                  <a:srgbClr val="4E9072"/>
-                </a:solidFill>
-                <a:latin typeface="Monaco"/>
-                <a:ea typeface="Monaco"/>
-                <a:cs typeface="Monaco"/>
-                <a:sym typeface="Monaco"/>
-              </a:defRPr>
-            </a:pPr>
-            <a:r>
-              <a:t>测试链接 : </a:t>
-            </a:r>
-          </a:p>
-          <a:p>
-            <a:pPr marL="0" indent="0" defTabSz="288036">
-              <a:lnSpc>
-                <a:spcPct val="100000"/>
-              </a:lnSpc>
-              <a:spcBef>
-                <a:spcPts val="0"/>
-              </a:spcBef>
-              <a:buSzTx/>
-              <a:buFontTx/>
-              <a:buNone/>
-              <a:defRPr sz="1637">
-                <a:solidFill>
-                  <a:srgbClr val="4E9072"/>
-                </a:solidFill>
-                <a:latin typeface="Monaco"/>
-                <a:ea typeface="Monaco"/>
-                <a:cs typeface="Monaco"/>
-                <a:sym typeface="Monaco"/>
-              </a:defRPr>
-            </a:pPr>
-            <a:r>
-              <a:t>https://www.nowcoder.com/questionTerminal/e7ed657974934a30b2010046536a5372</a:t>
+              <a:t>测试链接 : https://leetcode.cn/problems/lru-cache/</a:t>
             </a:r>
           </a:p>
         </p:txBody>
@@ -4819,1239 +4292,6 @@
       <p:pic>
         <p:nvPicPr>
           <p:cNvPr id="122" name="图片 4" descr="图片 4"/>
-          <p:cNvPicPr>
-            <a:picLocks noChangeAspect="1"/>
-          </p:cNvPicPr>
-          <p:nvPr/>
-        </p:nvPicPr>
-        <p:blipFill>
-          <a:blip r:embed="rId2">
-            <a:extLst/>
-          </a:blip>
-          <a:stretch>
-            <a:fillRect/>
-          </a:stretch>
-        </p:blipFill>
-        <p:spPr>
-          <a:xfrm>
-            <a:off x="43939" y="32544"/>
-            <a:ext cx="1635139" cy="1043783"/>
-          </a:xfrm>
-          <a:prstGeom prst="rect">
-            <a:avLst/>
-          </a:prstGeom>
-          <a:ln w="12700">
-            <a:miter lim="400000"/>
-          </a:ln>
-        </p:spPr>
-      </p:pic>
-    </p:spTree>
-  </p:cSld>
-  <p:clrMapOvr>
-    <a:masterClrMapping/>
-  </p:clrMapOvr>
-  <p:transition xmlns:p14="http://schemas.microsoft.com/office/powerpoint/2010/main" spd="med" advClick="1"/>
-</p:sld>
-</file>
-
-<file path=ppt/slides/slide7.xml><?xml version="1.0" encoding="utf-8"?>
-<p:sld xmlns:a="http://schemas.openxmlformats.org/drawingml/2006/main" xmlns:r="http://schemas.openxmlformats.org/officeDocument/2006/relationships" xmlns:p="http://schemas.openxmlformats.org/presentationml/2006/main" xmlns:m="http://schemas.openxmlformats.org/officeDocument/2006/math" xmlns:a14="http://schemas.microsoft.com/office/drawing/2010/main" showMasterSp="1" showMasterPhAnim="1">
-  <p:cSld>
-    <p:spTree>
-      <p:nvGrpSpPr>
-        <p:cNvPr id="1" name=""/>
-        <p:cNvGrpSpPr/>
-        <p:nvPr/>
-      </p:nvGrpSpPr>
-      <p:grpSpPr>
-        <a:xfrm>
-          <a:off x="0" y="0"/>
-          <a:ext cx="0" cy="0"/>
-          <a:chOff x="0" y="0"/>
-          <a:chExt cx="0" cy="0"/>
-        </a:xfrm>
-      </p:grpSpPr>
-      <p:sp>
-        <p:nvSpPr>
-          <p:cNvPr id="124" name="页脚占位符 3"/>
-          <p:cNvSpPr txBox="1"/>
-          <p:nvPr/>
-        </p:nvSpPr>
-        <p:spPr>
-          <a:xfrm>
-            <a:off x="4084320" y="6385242"/>
-            <a:ext cx="4023360" cy="307341"/>
-          </a:xfrm>
-          <a:prstGeom prst="rect">
-            <a:avLst/>
-          </a:prstGeom>
-          <a:ln w="12700">
-            <a:miter lim="400000"/>
-          </a:ln>
-          <a:extLst>
-            <a:ext uri="{C572A759-6A51-4108-AA02-DFA0A04FC94B}">
-              <ma14:wrappingTextBoxFlag xmlns:ma14="http://schemas.microsoft.com/office/mac/drawingml/2011/main" val="1"/>
-            </a:ext>
-          </a:extLst>
-        </p:spPr>
-        <p:txBody>
-          <a:bodyPr lIns="45719" rIns="45719" anchor="ctr">
-            <a:spAutoFit/>
-          </a:bodyPr>
-          <a:lstStyle/>
-          <a:p>
-            <a:pPr algn="ctr">
-              <a:defRPr sz="1200">
-                <a:solidFill>
-                  <a:srgbClr val="888888"/>
-                </a:solidFill>
-              </a:defRPr>
-            </a:pPr>
-            <a:r>
-              <a:t>马士兵教育 </a:t>
-            </a:r>
-            <a:r>
-              <a:t>http://mashibing.com</a:t>
-            </a:r>
-          </a:p>
-        </p:txBody>
-      </p:sp>
-      <p:sp>
-        <p:nvSpPr>
-          <p:cNvPr id="125" name="标题 1"/>
-          <p:cNvSpPr txBox="1"/>
-          <p:nvPr>
-            <p:ph type="title"/>
-          </p:nvPr>
-        </p:nvSpPr>
-        <p:spPr>
-          <a:xfrm>
-            <a:off x="838200" y="900238"/>
-            <a:ext cx="10515600" cy="710952"/>
-          </a:xfrm>
-          <a:prstGeom prst="rect">
-            <a:avLst/>
-          </a:prstGeom>
-        </p:spPr>
-        <p:txBody>
-          <a:bodyPr/>
-          <a:lstStyle>
-            <a:lvl1pPr>
-              <a:defRPr sz="3200"/>
-            </a:lvl1pPr>
-          </a:lstStyle>
-          <a:p>
-            <a:pPr/>
-            <a:r>
-              <a:t>题目05</a:t>
-            </a:r>
-          </a:p>
-        </p:txBody>
-      </p:sp>
-      <p:sp>
-        <p:nvSpPr>
-          <p:cNvPr id="126" name="内容占位符 2"/>
-          <p:cNvSpPr txBox="1"/>
-          <p:nvPr>
-            <p:ph type="body" idx="1"/>
-          </p:nvPr>
-        </p:nvSpPr>
-        <p:spPr>
-          <a:xfrm>
-            <a:off x="838200" y="2038410"/>
-            <a:ext cx="10515600" cy="3919611"/>
-          </a:xfrm>
-          <a:prstGeom prst="rect">
-            <a:avLst/>
-          </a:prstGeom>
-        </p:spPr>
-        <p:txBody>
-          <a:bodyPr/>
-          <a:lstStyle/>
-          <a:p>
-            <a:pPr marL="0" indent="0" defTabSz="333756">
-              <a:lnSpc>
-                <a:spcPct val="100000"/>
-              </a:lnSpc>
-              <a:spcBef>
-                <a:spcPts val="0"/>
-              </a:spcBef>
-              <a:buSzTx/>
-              <a:buFontTx/>
-              <a:buNone/>
-              <a:defRPr sz="1898">
-                <a:solidFill>
-                  <a:srgbClr val="4E9072"/>
-                </a:solidFill>
-                <a:latin typeface="Monaco"/>
-                <a:ea typeface="Monaco"/>
-                <a:cs typeface="Monaco"/>
-                <a:sym typeface="Monaco"/>
-              </a:defRPr>
-            </a:pPr>
-            <a:r>
-              <a:t>并查集的设计</a:t>
-            </a:r>
-            <a:endParaRPr>
-              <a:solidFill>
-                <a:srgbClr val="000000"/>
-              </a:solidFill>
-            </a:endParaRPr>
-          </a:p>
-          <a:p>
-            <a:pPr marL="0" indent="0" defTabSz="333756">
-              <a:lnSpc>
-                <a:spcPct val="100000"/>
-              </a:lnSpc>
-              <a:spcBef>
-                <a:spcPts val="0"/>
-              </a:spcBef>
-              <a:buSzTx/>
-              <a:buFontTx/>
-              <a:buNone/>
-              <a:defRPr sz="1898">
-                <a:solidFill>
-                  <a:srgbClr val="4E9072"/>
-                </a:solidFill>
-                <a:latin typeface="Monaco"/>
-                <a:ea typeface="Monaco"/>
-                <a:cs typeface="Monaco"/>
-                <a:sym typeface="Monaco"/>
-              </a:defRPr>
-            </a:pPr>
-            <a:r>
-              <a:t>1）每个节点都有一条往上指的指针</a:t>
-            </a:r>
-            <a:endParaRPr>
-              <a:solidFill>
-                <a:srgbClr val="000000"/>
-              </a:solidFill>
-            </a:endParaRPr>
-          </a:p>
-          <a:p>
-            <a:pPr marL="0" indent="0" defTabSz="333756">
-              <a:lnSpc>
-                <a:spcPct val="100000"/>
-              </a:lnSpc>
-              <a:spcBef>
-                <a:spcPts val="0"/>
-              </a:spcBef>
-              <a:buSzTx/>
-              <a:buFontTx/>
-              <a:buNone/>
-              <a:defRPr sz="1898">
-                <a:solidFill>
-                  <a:srgbClr val="4E9072"/>
-                </a:solidFill>
-                <a:latin typeface="Monaco"/>
-                <a:ea typeface="Monaco"/>
-                <a:cs typeface="Monaco"/>
-                <a:sym typeface="Monaco"/>
-              </a:defRPr>
-            </a:pPr>
-            <a:r>
-              <a:t>2）节点a往上找到的头节点，叫做a所在集合的代表节点</a:t>
-            </a:r>
-            <a:endParaRPr>
-              <a:solidFill>
-                <a:srgbClr val="000000"/>
-              </a:solidFill>
-            </a:endParaRPr>
-          </a:p>
-          <a:p>
-            <a:pPr marL="0" indent="0" defTabSz="333756">
-              <a:lnSpc>
-                <a:spcPct val="100000"/>
-              </a:lnSpc>
-              <a:spcBef>
-                <a:spcPts val="0"/>
-              </a:spcBef>
-              <a:buSzTx/>
-              <a:buFontTx/>
-              <a:buNone/>
-              <a:defRPr sz="1898">
-                <a:solidFill>
-                  <a:srgbClr val="4E9072"/>
-                </a:solidFill>
-                <a:latin typeface="Monaco"/>
-                <a:ea typeface="Monaco"/>
-                <a:cs typeface="Monaco"/>
-                <a:sym typeface="Monaco"/>
-              </a:defRPr>
-            </a:pPr>
-            <a:r>
-              <a:t>3）查询x和y是否属于同一个集合，就是看看找到的代表节点是不是一个</a:t>
-            </a:r>
-            <a:endParaRPr>
-              <a:solidFill>
-                <a:srgbClr val="000000"/>
-              </a:solidFill>
-            </a:endParaRPr>
-          </a:p>
-          <a:p>
-            <a:pPr marL="0" indent="0" defTabSz="333756">
-              <a:lnSpc>
-                <a:spcPct val="100000"/>
-              </a:lnSpc>
-              <a:spcBef>
-                <a:spcPts val="0"/>
-              </a:spcBef>
-              <a:buSzTx/>
-              <a:buFontTx/>
-              <a:buNone/>
-              <a:defRPr sz="1898">
-                <a:solidFill>
-                  <a:srgbClr val="4E9072"/>
-                </a:solidFill>
-                <a:latin typeface="Monaco"/>
-                <a:ea typeface="Monaco"/>
-                <a:cs typeface="Monaco"/>
-                <a:sym typeface="Monaco"/>
-              </a:defRPr>
-            </a:pPr>
-            <a:r>
-              <a:t>4）把x和y各自所在集合的所有点合并成一个集合，</a:t>
-            </a:r>
-          </a:p>
-          <a:p>
-            <a:pPr marL="0" indent="0" defTabSz="333756">
-              <a:lnSpc>
-                <a:spcPct val="100000"/>
-              </a:lnSpc>
-              <a:spcBef>
-                <a:spcPts val="0"/>
-              </a:spcBef>
-              <a:buSzTx/>
-              <a:buFontTx/>
-              <a:buNone/>
-              <a:defRPr sz="1898">
-                <a:solidFill>
-                  <a:srgbClr val="4E9072"/>
-                </a:solidFill>
-                <a:latin typeface="Monaco"/>
-                <a:ea typeface="Monaco"/>
-                <a:cs typeface="Monaco"/>
-                <a:sym typeface="Monaco"/>
-              </a:defRPr>
-            </a:pPr>
-            <a:r>
-              <a:t>    只需要小集合的代表点挂在大集合的代表点的下方即可</a:t>
-            </a:r>
-            <a:endParaRPr>
-              <a:solidFill>
-                <a:srgbClr val="000000"/>
-              </a:solidFill>
-            </a:endParaRPr>
-          </a:p>
-          <a:p>
-            <a:pPr marL="0" indent="0" defTabSz="333756">
-              <a:lnSpc>
-                <a:spcPct val="100000"/>
-              </a:lnSpc>
-              <a:spcBef>
-                <a:spcPts val="0"/>
-              </a:spcBef>
-              <a:buSzTx/>
-              <a:buFontTx/>
-              <a:buNone/>
-              <a:defRPr sz="1898">
-                <a:latin typeface="Monaco"/>
-                <a:ea typeface="Monaco"/>
-                <a:cs typeface="Monaco"/>
-                <a:sym typeface="Monaco"/>
-              </a:defRPr>
-            </a:pPr>
-          </a:p>
-          <a:p>
-            <a:pPr marL="0" indent="0" defTabSz="333756">
-              <a:lnSpc>
-                <a:spcPct val="100000"/>
-              </a:lnSpc>
-              <a:spcBef>
-                <a:spcPts val="0"/>
-              </a:spcBef>
-              <a:buSzTx/>
-              <a:buFontTx/>
-              <a:buNone/>
-              <a:defRPr sz="1898">
-                <a:solidFill>
-                  <a:srgbClr val="4E9072"/>
-                </a:solidFill>
-                <a:latin typeface="Monaco"/>
-                <a:ea typeface="Monaco"/>
-                <a:cs typeface="Monaco"/>
-                <a:sym typeface="Monaco"/>
-              </a:defRPr>
-            </a:pPr>
-            <a:r>
-              <a:t>并查集的优化</a:t>
-            </a:r>
-            <a:endParaRPr>
-              <a:solidFill>
-                <a:srgbClr val="000000"/>
-              </a:solidFill>
-            </a:endParaRPr>
-          </a:p>
-          <a:p>
-            <a:pPr marL="0" indent="0" defTabSz="333756">
-              <a:lnSpc>
-                <a:spcPct val="100000"/>
-              </a:lnSpc>
-              <a:spcBef>
-                <a:spcPts val="0"/>
-              </a:spcBef>
-              <a:buSzTx/>
-              <a:buFontTx/>
-              <a:buNone/>
-              <a:defRPr sz="1898">
-                <a:solidFill>
-                  <a:srgbClr val="4E9072"/>
-                </a:solidFill>
-                <a:latin typeface="Monaco"/>
-                <a:ea typeface="Monaco"/>
-                <a:cs typeface="Monaco"/>
-                <a:sym typeface="Monaco"/>
-              </a:defRPr>
-            </a:pPr>
-            <a:r>
-              <a:t>1）节点往上找代表点的过程，把沿途的链变成扁平的</a:t>
-            </a:r>
-            <a:endParaRPr>
-              <a:solidFill>
-                <a:srgbClr val="000000"/>
-              </a:solidFill>
-            </a:endParaRPr>
-          </a:p>
-          <a:p>
-            <a:pPr marL="0" indent="0" defTabSz="333756">
-              <a:lnSpc>
-                <a:spcPct val="100000"/>
-              </a:lnSpc>
-              <a:spcBef>
-                <a:spcPts val="0"/>
-              </a:spcBef>
-              <a:buSzTx/>
-              <a:buFontTx/>
-              <a:buNone/>
-              <a:defRPr sz="1898">
-                <a:solidFill>
-                  <a:srgbClr val="4E9072"/>
-                </a:solidFill>
-                <a:latin typeface="Monaco"/>
-                <a:ea typeface="Monaco"/>
-                <a:cs typeface="Monaco"/>
-                <a:sym typeface="Monaco"/>
-              </a:defRPr>
-            </a:pPr>
-            <a:r>
-              <a:t>2）小集合挂在大集合的下面</a:t>
-            </a:r>
-            <a:endParaRPr>
-              <a:solidFill>
-                <a:srgbClr val="000000"/>
-              </a:solidFill>
-            </a:endParaRPr>
-          </a:p>
-          <a:p>
-            <a:pPr marL="0" indent="0" defTabSz="333756">
-              <a:lnSpc>
-                <a:spcPct val="100000"/>
-              </a:lnSpc>
-              <a:spcBef>
-                <a:spcPts val="0"/>
-              </a:spcBef>
-              <a:buSzTx/>
-              <a:buFontTx/>
-              <a:buNone/>
-              <a:defRPr sz="1898">
-                <a:solidFill>
-                  <a:srgbClr val="4E9072"/>
-                </a:solidFill>
-                <a:latin typeface="Monaco"/>
-                <a:ea typeface="Monaco"/>
-                <a:cs typeface="Monaco"/>
-                <a:sym typeface="Monaco"/>
-              </a:defRPr>
-            </a:pPr>
-            <a:r>
-              <a:t>3）如果方法调用很频繁，那么单次调用的代价为O(1)，两个方法都如此</a:t>
-            </a:r>
-          </a:p>
-        </p:txBody>
-      </p:sp>
-      <p:pic>
-        <p:nvPicPr>
-          <p:cNvPr id="127" name="图片 4" descr="图片 4"/>
-          <p:cNvPicPr>
-            <a:picLocks noChangeAspect="1"/>
-          </p:cNvPicPr>
-          <p:nvPr/>
-        </p:nvPicPr>
-        <p:blipFill>
-          <a:blip r:embed="rId2">
-            <a:extLst/>
-          </a:blip>
-          <a:stretch>
-            <a:fillRect/>
-          </a:stretch>
-        </p:blipFill>
-        <p:spPr>
-          <a:xfrm>
-            <a:off x="43939" y="32544"/>
-            <a:ext cx="1635139" cy="1043783"/>
-          </a:xfrm>
-          <a:prstGeom prst="rect">
-            <a:avLst/>
-          </a:prstGeom>
-          <a:ln w="12700">
-            <a:miter lim="400000"/>
-          </a:ln>
-        </p:spPr>
-      </p:pic>
-    </p:spTree>
-  </p:cSld>
-  <p:clrMapOvr>
-    <a:masterClrMapping/>
-  </p:clrMapOvr>
-  <p:transition xmlns:p14="http://schemas.microsoft.com/office/powerpoint/2010/main" spd="med" advClick="1"/>
-</p:sld>
-</file>
-
-<file path=ppt/slides/slide8.xml><?xml version="1.0" encoding="utf-8"?>
-<p:sld xmlns:a="http://schemas.openxmlformats.org/drawingml/2006/main" xmlns:r="http://schemas.openxmlformats.org/officeDocument/2006/relationships" xmlns:p="http://schemas.openxmlformats.org/presentationml/2006/main" xmlns:m="http://schemas.openxmlformats.org/officeDocument/2006/math" xmlns:a14="http://schemas.microsoft.com/office/drawing/2010/main" showMasterSp="1" showMasterPhAnim="1">
-  <p:cSld>
-    <p:spTree>
-      <p:nvGrpSpPr>
-        <p:cNvPr id="1" name=""/>
-        <p:cNvGrpSpPr/>
-        <p:nvPr/>
-      </p:nvGrpSpPr>
-      <p:grpSpPr>
-        <a:xfrm>
-          <a:off x="0" y="0"/>
-          <a:ext cx="0" cy="0"/>
-          <a:chOff x="0" y="0"/>
-          <a:chExt cx="0" cy="0"/>
-        </a:xfrm>
-      </p:grpSpPr>
-      <p:sp>
-        <p:nvSpPr>
-          <p:cNvPr id="129" name="页脚占位符 3"/>
-          <p:cNvSpPr txBox="1"/>
-          <p:nvPr/>
-        </p:nvSpPr>
-        <p:spPr>
-          <a:xfrm>
-            <a:off x="4084320" y="6385242"/>
-            <a:ext cx="4023360" cy="307341"/>
-          </a:xfrm>
-          <a:prstGeom prst="rect">
-            <a:avLst/>
-          </a:prstGeom>
-          <a:ln w="12700">
-            <a:miter lim="400000"/>
-          </a:ln>
-          <a:extLst>
-            <a:ext uri="{C572A759-6A51-4108-AA02-DFA0A04FC94B}">
-              <ma14:wrappingTextBoxFlag xmlns:ma14="http://schemas.microsoft.com/office/mac/drawingml/2011/main" val="1"/>
-            </a:ext>
-          </a:extLst>
-        </p:spPr>
-        <p:txBody>
-          <a:bodyPr lIns="45719" rIns="45719" anchor="ctr">
-            <a:spAutoFit/>
-          </a:bodyPr>
-          <a:lstStyle/>
-          <a:p>
-            <a:pPr algn="ctr">
-              <a:defRPr sz="1200">
-                <a:solidFill>
-                  <a:srgbClr val="888888"/>
-                </a:solidFill>
-              </a:defRPr>
-            </a:pPr>
-            <a:r>
-              <a:t>马士兵教育 </a:t>
-            </a:r>
-            <a:r>
-              <a:t>http://mashibing.com</a:t>
-            </a:r>
-          </a:p>
-        </p:txBody>
-      </p:sp>
-      <p:sp>
-        <p:nvSpPr>
-          <p:cNvPr id="130" name="标题 1"/>
-          <p:cNvSpPr txBox="1"/>
-          <p:nvPr>
-            <p:ph type="title"/>
-          </p:nvPr>
-        </p:nvSpPr>
-        <p:spPr>
-          <a:xfrm>
-            <a:off x="838200" y="900238"/>
-            <a:ext cx="10515600" cy="710952"/>
-          </a:xfrm>
-          <a:prstGeom prst="rect">
-            <a:avLst/>
-          </a:prstGeom>
-        </p:spPr>
-        <p:txBody>
-          <a:bodyPr/>
-          <a:lstStyle>
-            <a:lvl1pPr>
-              <a:defRPr sz="3200"/>
-            </a:lvl1pPr>
-          </a:lstStyle>
-          <a:p>
-            <a:pPr/>
-            <a:r>
-              <a:t>题目06</a:t>
-            </a:r>
-          </a:p>
-        </p:txBody>
-      </p:sp>
-      <p:sp>
-        <p:nvSpPr>
-          <p:cNvPr id="131" name="内容占位符 2"/>
-          <p:cNvSpPr txBox="1"/>
-          <p:nvPr>
-            <p:ph type="body" idx="1"/>
-          </p:nvPr>
-        </p:nvSpPr>
-        <p:spPr>
-          <a:xfrm>
-            <a:off x="838200" y="2038410"/>
-            <a:ext cx="10515600" cy="3919611"/>
-          </a:xfrm>
-          <a:prstGeom prst="rect">
-            <a:avLst/>
-          </a:prstGeom>
-        </p:spPr>
-        <p:txBody>
-          <a:bodyPr/>
-          <a:lstStyle/>
-          <a:p>
-            <a:pPr marL="0" indent="0" defTabSz="406908">
-              <a:lnSpc>
-                <a:spcPct val="100000"/>
-              </a:lnSpc>
-              <a:spcBef>
-                <a:spcPts val="0"/>
-              </a:spcBef>
-              <a:buSzTx/>
-              <a:buFontTx/>
-              <a:buNone/>
-              <a:defRPr sz="2314">
-                <a:solidFill>
-                  <a:srgbClr val="4E9072"/>
-                </a:solidFill>
-                <a:latin typeface="Monaco"/>
-                <a:ea typeface="Monaco"/>
-                <a:cs typeface="Monaco"/>
-                <a:sym typeface="Monaco"/>
-              </a:defRPr>
-            </a:pPr>
-            <a:r>
-              <a:t>n块石头放置在二维平面中的一些整数坐标点上</a:t>
-            </a:r>
-            <a:endParaRPr>
-              <a:solidFill>
-                <a:srgbClr val="000000"/>
-              </a:solidFill>
-            </a:endParaRPr>
-          </a:p>
-          <a:p>
-            <a:pPr marL="0" indent="0" defTabSz="406908">
-              <a:lnSpc>
-                <a:spcPct val="100000"/>
-              </a:lnSpc>
-              <a:spcBef>
-                <a:spcPts val="0"/>
-              </a:spcBef>
-              <a:buSzTx/>
-              <a:buFontTx/>
-              <a:buNone/>
-              <a:defRPr sz="2314">
-                <a:solidFill>
-                  <a:srgbClr val="4E9072"/>
-                </a:solidFill>
-                <a:latin typeface="Monaco"/>
-                <a:ea typeface="Monaco"/>
-                <a:cs typeface="Monaco"/>
-                <a:sym typeface="Monaco"/>
-              </a:defRPr>
-            </a:pPr>
-            <a:r>
-              <a:t>每个坐标点上最多只能有一块石头</a:t>
-            </a:r>
-            <a:endParaRPr>
-              <a:solidFill>
-                <a:srgbClr val="000000"/>
-              </a:solidFill>
-            </a:endParaRPr>
-          </a:p>
-          <a:p>
-            <a:pPr marL="0" indent="0" defTabSz="406908">
-              <a:lnSpc>
-                <a:spcPct val="100000"/>
-              </a:lnSpc>
-              <a:spcBef>
-                <a:spcPts val="0"/>
-              </a:spcBef>
-              <a:buSzTx/>
-              <a:buFontTx/>
-              <a:buNone/>
-              <a:defRPr sz="2314">
-                <a:solidFill>
-                  <a:srgbClr val="4E9072"/>
-                </a:solidFill>
-                <a:latin typeface="Monaco"/>
-                <a:ea typeface="Monaco"/>
-                <a:cs typeface="Monaco"/>
-                <a:sym typeface="Monaco"/>
-              </a:defRPr>
-            </a:pPr>
-            <a:r>
-              <a:t>如果一块石头的 同行或者同列 上有其他石头存在，那么就可以移除这块石头。</a:t>
-            </a:r>
-            <a:endParaRPr>
-              <a:solidFill>
-                <a:srgbClr val="000000"/>
-              </a:solidFill>
-            </a:endParaRPr>
-          </a:p>
-          <a:p>
-            <a:pPr marL="0" indent="0" defTabSz="406908">
-              <a:lnSpc>
-                <a:spcPct val="100000"/>
-              </a:lnSpc>
-              <a:spcBef>
-                <a:spcPts val="0"/>
-              </a:spcBef>
-              <a:buSzTx/>
-              <a:buFontTx/>
-              <a:buNone/>
-              <a:defRPr sz="2314">
-                <a:solidFill>
-                  <a:srgbClr val="4E9072"/>
-                </a:solidFill>
-                <a:latin typeface="Monaco"/>
-                <a:ea typeface="Monaco"/>
-                <a:cs typeface="Monaco"/>
-                <a:sym typeface="Monaco"/>
-              </a:defRPr>
-            </a:pPr>
-            <a:r>
-              <a:t>给你一个长度为 n 的数组 stones ，</a:t>
-            </a:r>
-            <a:endParaRPr>
-              <a:solidFill>
-                <a:srgbClr val="000000"/>
-              </a:solidFill>
-            </a:endParaRPr>
-          </a:p>
-          <a:p>
-            <a:pPr marL="0" indent="0" defTabSz="406908">
-              <a:lnSpc>
-                <a:spcPct val="100000"/>
-              </a:lnSpc>
-              <a:spcBef>
-                <a:spcPts val="0"/>
-              </a:spcBef>
-              <a:buSzTx/>
-              <a:buFontTx/>
-              <a:buNone/>
-              <a:defRPr sz="2314">
-                <a:solidFill>
-                  <a:srgbClr val="4E9072"/>
-                </a:solidFill>
-                <a:latin typeface="Monaco"/>
-                <a:ea typeface="Monaco"/>
-                <a:cs typeface="Monaco"/>
-                <a:sym typeface="Monaco"/>
-              </a:defRPr>
-            </a:pPr>
-            <a:r>
-              <a:t>其中 stones[i] = [xi, </a:t>
-            </a:r>
-            <a:r>
-              <a:rPr u="sng"/>
-              <a:t>yi</a:t>
-            </a:r>
-            <a:r>
-              <a:t>] 表示第 i 块石头的位置，</a:t>
-            </a:r>
-            <a:endParaRPr>
-              <a:solidFill>
-                <a:srgbClr val="000000"/>
-              </a:solidFill>
-            </a:endParaRPr>
-          </a:p>
-          <a:p>
-            <a:pPr marL="0" indent="0" defTabSz="406908">
-              <a:lnSpc>
-                <a:spcPct val="100000"/>
-              </a:lnSpc>
-              <a:spcBef>
-                <a:spcPts val="0"/>
-              </a:spcBef>
-              <a:buSzTx/>
-              <a:buFontTx/>
-              <a:buNone/>
-              <a:defRPr sz="2314">
-                <a:solidFill>
-                  <a:srgbClr val="4E9072"/>
-                </a:solidFill>
-                <a:latin typeface="Monaco"/>
-                <a:ea typeface="Monaco"/>
-                <a:cs typeface="Monaco"/>
-                <a:sym typeface="Monaco"/>
-              </a:defRPr>
-            </a:pPr>
-            <a:r>
-              <a:t>返回 可以移除的石子 的最大数量。</a:t>
-            </a:r>
-            <a:endParaRPr>
-              <a:solidFill>
-                <a:srgbClr val="000000"/>
-              </a:solidFill>
-            </a:endParaRPr>
-          </a:p>
-          <a:p>
-            <a:pPr marL="0" indent="0" defTabSz="406908">
-              <a:lnSpc>
-                <a:spcPct val="100000"/>
-              </a:lnSpc>
-              <a:spcBef>
-                <a:spcPts val="0"/>
-              </a:spcBef>
-              <a:buSzTx/>
-              <a:buFontTx/>
-              <a:buNone/>
-              <a:defRPr sz="2314">
-                <a:solidFill>
-                  <a:srgbClr val="4E9072"/>
-                </a:solidFill>
-                <a:latin typeface="Monaco"/>
-                <a:ea typeface="Monaco"/>
-                <a:cs typeface="Monaco"/>
-                <a:sym typeface="Monaco"/>
-              </a:defRPr>
-            </a:pPr>
-            <a:r>
-              <a:t>测试链接 : https://leetcode.cn/problems/most-stones-removed-with-same-row-or-column/</a:t>
-            </a:r>
-          </a:p>
-        </p:txBody>
-      </p:sp>
-      <p:pic>
-        <p:nvPicPr>
-          <p:cNvPr id="132" name="图片 4" descr="图片 4"/>
-          <p:cNvPicPr>
-            <a:picLocks noChangeAspect="1"/>
-          </p:cNvPicPr>
-          <p:nvPr/>
-        </p:nvPicPr>
-        <p:blipFill>
-          <a:blip r:embed="rId2">
-            <a:extLst/>
-          </a:blip>
-          <a:stretch>
-            <a:fillRect/>
-          </a:stretch>
-        </p:blipFill>
-        <p:spPr>
-          <a:xfrm>
-            <a:off x="43939" y="32544"/>
-            <a:ext cx="1635139" cy="1043783"/>
-          </a:xfrm>
-          <a:prstGeom prst="rect">
-            <a:avLst/>
-          </a:prstGeom>
-          <a:ln w="12700">
-            <a:miter lim="400000"/>
-          </a:ln>
-        </p:spPr>
-      </p:pic>
-    </p:spTree>
-  </p:cSld>
-  <p:clrMapOvr>
-    <a:masterClrMapping/>
-  </p:clrMapOvr>
-  <p:transition xmlns:p14="http://schemas.microsoft.com/office/powerpoint/2010/main" spd="med" advClick="1"/>
-</p:sld>
-</file>
-
-<file path=ppt/slides/slide9.xml><?xml version="1.0" encoding="utf-8"?>
-<p:sld xmlns:a="http://schemas.openxmlformats.org/drawingml/2006/main" xmlns:r="http://schemas.openxmlformats.org/officeDocument/2006/relationships" xmlns:p="http://schemas.openxmlformats.org/presentationml/2006/main" xmlns:m="http://schemas.openxmlformats.org/officeDocument/2006/math" xmlns:a14="http://schemas.microsoft.com/office/drawing/2010/main" showMasterSp="1" showMasterPhAnim="1">
-  <p:cSld>
-    <p:spTree>
-      <p:nvGrpSpPr>
-        <p:cNvPr id="1" name=""/>
-        <p:cNvGrpSpPr/>
-        <p:nvPr/>
-      </p:nvGrpSpPr>
-      <p:grpSpPr>
-        <a:xfrm>
-          <a:off x="0" y="0"/>
-          <a:ext cx="0" cy="0"/>
-          <a:chOff x="0" y="0"/>
-          <a:chExt cx="0" cy="0"/>
-        </a:xfrm>
-      </p:grpSpPr>
-      <p:sp>
-        <p:nvSpPr>
-          <p:cNvPr id="134" name="页脚占位符 3"/>
-          <p:cNvSpPr txBox="1"/>
-          <p:nvPr/>
-        </p:nvSpPr>
-        <p:spPr>
-          <a:xfrm>
-            <a:off x="4084320" y="6385242"/>
-            <a:ext cx="4023360" cy="307341"/>
-          </a:xfrm>
-          <a:prstGeom prst="rect">
-            <a:avLst/>
-          </a:prstGeom>
-          <a:ln w="12700">
-            <a:miter lim="400000"/>
-          </a:ln>
-          <a:extLst>
-            <a:ext uri="{C572A759-6A51-4108-AA02-DFA0A04FC94B}">
-              <ma14:wrappingTextBoxFlag xmlns:ma14="http://schemas.microsoft.com/office/mac/drawingml/2011/main" val="1"/>
-            </a:ext>
-          </a:extLst>
-        </p:spPr>
-        <p:txBody>
-          <a:bodyPr lIns="45719" rIns="45719" anchor="ctr">
-            <a:spAutoFit/>
-          </a:bodyPr>
-          <a:lstStyle/>
-          <a:p>
-            <a:pPr algn="ctr">
-              <a:defRPr sz="1200">
-                <a:solidFill>
-                  <a:srgbClr val="888888"/>
-                </a:solidFill>
-              </a:defRPr>
-            </a:pPr>
-            <a:r>
-              <a:t>马士兵教育 </a:t>
-            </a:r>
-            <a:r>
-              <a:t>http://mashibing.com</a:t>
-            </a:r>
-          </a:p>
-        </p:txBody>
-      </p:sp>
-      <p:sp>
-        <p:nvSpPr>
-          <p:cNvPr id="135" name="标题 1"/>
-          <p:cNvSpPr txBox="1"/>
-          <p:nvPr>
-            <p:ph type="title"/>
-          </p:nvPr>
-        </p:nvSpPr>
-        <p:spPr>
-          <a:xfrm>
-            <a:off x="838200" y="900238"/>
-            <a:ext cx="10515600" cy="710952"/>
-          </a:xfrm>
-          <a:prstGeom prst="rect">
-            <a:avLst/>
-          </a:prstGeom>
-        </p:spPr>
-        <p:txBody>
-          <a:bodyPr/>
-          <a:lstStyle>
-            <a:lvl1pPr>
-              <a:defRPr sz="3200"/>
-            </a:lvl1pPr>
-          </a:lstStyle>
-          <a:p>
-            <a:pPr/>
-            <a:r>
-              <a:t>题目07</a:t>
-            </a:r>
-          </a:p>
-        </p:txBody>
-      </p:sp>
-      <p:sp>
-        <p:nvSpPr>
-          <p:cNvPr id="136" name="内容占位符 2"/>
-          <p:cNvSpPr txBox="1"/>
-          <p:nvPr>
-            <p:ph type="body" idx="1"/>
-          </p:nvPr>
-        </p:nvSpPr>
-        <p:spPr>
-          <a:xfrm>
-            <a:off x="838200" y="2038410"/>
-            <a:ext cx="10515600" cy="3919611"/>
-          </a:xfrm>
-          <a:prstGeom prst="rect">
-            <a:avLst/>
-          </a:prstGeom>
-        </p:spPr>
-        <p:txBody>
-          <a:bodyPr/>
-          <a:lstStyle/>
-          <a:p>
-            <a:pPr marL="0" indent="0" defTabSz="402336">
-              <a:lnSpc>
-                <a:spcPct val="100000"/>
-              </a:lnSpc>
-              <a:spcBef>
-                <a:spcPts val="0"/>
-              </a:spcBef>
-              <a:buSzTx/>
-              <a:buFontTx/>
-              <a:buNone/>
-              <a:defRPr sz="2288">
-                <a:solidFill>
-                  <a:srgbClr val="4E9072"/>
-                </a:solidFill>
-                <a:latin typeface="Monaco"/>
-                <a:ea typeface="Monaco"/>
-                <a:cs typeface="Monaco"/>
-                <a:sym typeface="Monaco"/>
-              </a:defRPr>
-            </a:pPr>
-            <a:r>
-              <a:t>n对情侣坐在连续排列的 2n 个座位上，想要牵到对方的手</a:t>
-            </a:r>
-            <a:endParaRPr>
-              <a:solidFill>
-                <a:srgbClr val="000000"/>
-              </a:solidFill>
-            </a:endParaRPr>
-          </a:p>
-          <a:p>
-            <a:pPr marL="0" indent="0" defTabSz="402336">
-              <a:lnSpc>
-                <a:spcPct val="100000"/>
-              </a:lnSpc>
-              <a:spcBef>
-                <a:spcPts val="0"/>
-              </a:spcBef>
-              <a:buSzTx/>
-              <a:buFontTx/>
-              <a:buNone/>
-              <a:defRPr sz="2288">
-                <a:solidFill>
-                  <a:srgbClr val="4E9072"/>
-                </a:solidFill>
-                <a:latin typeface="Monaco"/>
-                <a:ea typeface="Monaco"/>
-                <a:cs typeface="Monaco"/>
-                <a:sym typeface="Monaco"/>
-              </a:defRPr>
-            </a:pPr>
-            <a:r>
-              <a:t>人和座位由一个整数数组 row 表示</a:t>
-            </a:r>
-          </a:p>
-          <a:p>
-            <a:pPr marL="0" indent="0" defTabSz="402336">
-              <a:lnSpc>
-                <a:spcPct val="100000"/>
-              </a:lnSpc>
-              <a:spcBef>
-                <a:spcPts val="0"/>
-              </a:spcBef>
-              <a:buSzTx/>
-              <a:buFontTx/>
-              <a:buNone/>
-              <a:defRPr sz="2288">
-                <a:solidFill>
-                  <a:srgbClr val="4E9072"/>
-                </a:solidFill>
-                <a:latin typeface="Monaco"/>
-                <a:ea typeface="Monaco"/>
-                <a:cs typeface="Monaco"/>
-                <a:sym typeface="Monaco"/>
-              </a:defRPr>
-            </a:pPr>
-            <a:r>
-              <a:t>其中 row[i] 是坐在第 i 个座位上的人的ID</a:t>
-            </a:r>
-            <a:endParaRPr>
-              <a:solidFill>
-                <a:srgbClr val="000000"/>
-              </a:solidFill>
-            </a:endParaRPr>
-          </a:p>
-          <a:p>
-            <a:pPr marL="0" indent="0" defTabSz="402336">
-              <a:lnSpc>
-                <a:spcPct val="100000"/>
-              </a:lnSpc>
-              <a:spcBef>
-                <a:spcPts val="0"/>
-              </a:spcBef>
-              <a:buSzTx/>
-              <a:buFontTx/>
-              <a:buNone/>
-              <a:defRPr sz="2288">
-                <a:solidFill>
-                  <a:srgbClr val="4E9072"/>
-                </a:solidFill>
-                <a:latin typeface="Monaco"/>
-                <a:ea typeface="Monaco"/>
-                <a:cs typeface="Monaco"/>
-                <a:sym typeface="Monaco"/>
-              </a:defRPr>
-            </a:pPr>
-            <a:r>
-              <a:t>情侣们按顺序编号，第一对是 (0, 1)，第二对是 (2, 3)</a:t>
-            </a:r>
-          </a:p>
-          <a:p>
-            <a:pPr marL="0" indent="0" defTabSz="402336">
-              <a:lnSpc>
-                <a:spcPct val="100000"/>
-              </a:lnSpc>
-              <a:spcBef>
-                <a:spcPts val="0"/>
-              </a:spcBef>
-              <a:buSzTx/>
-              <a:buFontTx/>
-              <a:buNone/>
-              <a:defRPr sz="2288">
-                <a:solidFill>
-                  <a:srgbClr val="4E9072"/>
-                </a:solidFill>
-                <a:latin typeface="Monaco"/>
-                <a:ea typeface="Monaco"/>
-                <a:cs typeface="Monaco"/>
-                <a:sym typeface="Monaco"/>
-              </a:defRPr>
-            </a:pPr>
-            <a:r>
-              <a:t>以此类推，最后一对是 (2n-2, 2n-1)</a:t>
-            </a:r>
-            <a:endParaRPr>
-              <a:solidFill>
-                <a:srgbClr val="000000"/>
-              </a:solidFill>
-            </a:endParaRPr>
-          </a:p>
-          <a:p>
-            <a:pPr marL="0" indent="0" defTabSz="402336">
-              <a:lnSpc>
-                <a:spcPct val="100000"/>
-              </a:lnSpc>
-              <a:spcBef>
-                <a:spcPts val="0"/>
-              </a:spcBef>
-              <a:buSzTx/>
-              <a:buFontTx/>
-              <a:buNone/>
-              <a:defRPr sz="2288">
-                <a:solidFill>
-                  <a:srgbClr val="4E9072"/>
-                </a:solidFill>
-                <a:latin typeface="Monaco"/>
-                <a:ea typeface="Monaco"/>
-                <a:cs typeface="Monaco"/>
-                <a:sym typeface="Monaco"/>
-              </a:defRPr>
-            </a:pPr>
-            <a:r>
-              <a:t>返回 最少交换座位的次数，以便每对情侣可以并肩坐在一起</a:t>
-            </a:r>
-            <a:endParaRPr>
-              <a:solidFill>
-                <a:srgbClr val="000000"/>
-              </a:solidFill>
-            </a:endParaRPr>
-          </a:p>
-          <a:p>
-            <a:pPr marL="0" indent="0" defTabSz="402336">
-              <a:lnSpc>
-                <a:spcPct val="100000"/>
-              </a:lnSpc>
-              <a:spcBef>
-                <a:spcPts val="0"/>
-              </a:spcBef>
-              <a:buSzTx/>
-              <a:buFontTx/>
-              <a:buNone/>
-              <a:defRPr sz="2288">
-                <a:solidFill>
-                  <a:srgbClr val="4E9072"/>
-                </a:solidFill>
-                <a:latin typeface="Monaco"/>
-                <a:ea typeface="Monaco"/>
-                <a:cs typeface="Monaco"/>
-                <a:sym typeface="Monaco"/>
-              </a:defRPr>
-            </a:pPr>
-            <a:r>
-              <a:t>每次交换可选择任意两人，让他们站起来交换座位</a:t>
-            </a:r>
-            <a:endParaRPr>
-              <a:solidFill>
-                <a:srgbClr val="000000"/>
-              </a:solidFill>
-            </a:endParaRPr>
-          </a:p>
-          <a:p>
-            <a:pPr marL="0" indent="0" defTabSz="402336">
-              <a:lnSpc>
-                <a:spcPct val="100000"/>
-              </a:lnSpc>
-              <a:spcBef>
-                <a:spcPts val="0"/>
-              </a:spcBef>
-              <a:buSzTx/>
-              <a:buFontTx/>
-              <a:buNone/>
-              <a:defRPr sz="2288">
-                <a:solidFill>
-                  <a:srgbClr val="4E9072"/>
-                </a:solidFill>
-                <a:latin typeface="Monaco"/>
-                <a:ea typeface="Monaco"/>
-                <a:cs typeface="Monaco"/>
-                <a:sym typeface="Monaco"/>
-              </a:defRPr>
-            </a:pPr>
-            <a:r>
-              <a:t>测试链接 : </a:t>
-            </a:r>
-          </a:p>
-          <a:p>
-            <a:pPr marL="0" indent="0" defTabSz="402336">
-              <a:lnSpc>
-                <a:spcPct val="100000"/>
-              </a:lnSpc>
-              <a:spcBef>
-                <a:spcPts val="0"/>
-              </a:spcBef>
-              <a:buSzTx/>
-              <a:buFontTx/>
-              <a:buNone/>
-              <a:defRPr sz="2288">
-                <a:solidFill>
-                  <a:srgbClr val="4E9072"/>
-                </a:solidFill>
-                <a:latin typeface="Monaco"/>
-                <a:ea typeface="Monaco"/>
-                <a:cs typeface="Monaco"/>
-                <a:sym typeface="Monaco"/>
-              </a:defRPr>
-            </a:pPr>
-            <a:r>
-              <a:t>https://leetcode.cn/problems/couples-holding-hands/</a:t>
-            </a:r>
-          </a:p>
-        </p:txBody>
-      </p:sp>
-      <p:pic>
-        <p:nvPicPr>
-          <p:cNvPr id="137" name="图片 4" descr="图片 4"/>
           <p:cNvPicPr>
             <a:picLocks noChangeAspect="1"/>
           </p:cNvPicPr>
